--- a/docs/images/highlevelsequencediagram.pptx
+++ b/docs/images/highlevelsequencediagram.pptx
@@ -104,6 +104,11 @@
       </a:defRPr>
     </a:lvl9pPr>
   </p:defaultTextStyle>
+  <p:extLst>
+    <p:ext uri="{EFAFB233-063F-42B5-8137-9DF3F51BA10A}">
+      <p15:sldGuideLst xmlns:p15="http://schemas.microsoft.com/office/powerpoint/2012/main"/>
+    </p:ext>
+  </p:extLst>
 </p:presentation>
 </file>
 
@@ -256,7 +261,7 @@
           <a:p>
             <a:fld id="{B9E3F2A6-8316-4AEA-B811-D6CBB71288FC}" type="datetimeFigureOut">
               <a:rPr lang="en-SG" smtClean="0"/>
-              <a:t>27/10/2020</a:t>
+              <a:t>9/11/2020</a:t>
             </a:fld>
             <a:endParaRPr lang="en-SG"/>
           </a:p>
@@ -456,7 +461,7 @@
           <a:p>
             <a:fld id="{B9E3F2A6-8316-4AEA-B811-D6CBB71288FC}" type="datetimeFigureOut">
               <a:rPr lang="en-SG" smtClean="0"/>
-              <a:t>27/10/2020</a:t>
+              <a:t>9/11/2020</a:t>
             </a:fld>
             <a:endParaRPr lang="en-SG"/>
           </a:p>
@@ -666,7 +671,7 @@
           <a:p>
             <a:fld id="{B9E3F2A6-8316-4AEA-B811-D6CBB71288FC}" type="datetimeFigureOut">
               <a:rPr lang="en-SG" smtClean="0"/>
-              <a:t>27/10/2020</a:t>
+              <a:t>9/11/2020</a:t>
             </a:fld>
             <a:endParaRPr lang="en-SG"/>
           </a:p>
@@ -866,7 +871,7 @@
           <a:p>
             <a:fld id="{B9E3F2A6-8316-4AEA-B811-D6CBB71288FC}" type="datetimeFigureOut">
               <a:rPr lang="en-SG" smtClean="0"/>
-              <a:t>27/10/2020</a:t>
+              <a:t>9/11/2020</a:t>
             </a:fld>
             <a:endParaRPr lang="en-SG"/>
           </a:p>
@@ -1142,7 +1147,7 @@
           <a:p>
             <a:fld id="{B9E3F2A6-8316-4AEA-B811-D6CBB71288FC}" type="datetimeFigureOut">
               <a:rPr lang="en-SG" smtClean="0"/>
-              <a:t>27/10/2020</a:t>
+              <a:t>9/11/2020</a:t>
             </a:fld>
             <a:endParaRPr lang="en-SG"/>
           </a:p>
@@ -1410,7 +1415,7 @@
           <a:p>
             <a:fld id="{B9E3F2A6-8316-4AEA-B811-D6CBB71288FC}" type="datetimeFigureOut">
               <a:rPr lang="en-SG" smtClean="0"/>
-              <a:t>27/10/2020</a:t>
+              <a:t>9/11/2020</a:t>
             </a:fld>
             <a:endParaRPr lang="en-SG"/>
           </a:p>
@@ -1825,7 +1830,7 @@
           <a:p>
             <a:fld id="{B9E3F2A6-8316-4AEA-B811-D6CBB71288FC}" type="datetimeFigureOut">
               <a:rPr lang="en-SG" smtClean="0"/>
-              <a:t>27/10/2020</a:t>
+              <a:t>9/11/2020</a:t>
             </a:fld>
             <a:endParaRPr lang="en-SG"/>
           </a:p>
@@ -1967,7 +1972,7 @@
           <a:p>
             <a:fld id="{B9E3F2A6-8316-4AEA-B811-D6CBB71288FC}" type="datetimeFigureOut">
               <a:rPr lang="en-SG" smtClean="0"/>
-              <a:t>27/10/2020</a:t>
+              <a:t>9/11/2020</a:t>
             </a:fld>
             <a:endParaRPr lang="en-SG"/>
           </a:p>
@@ -2080,7 +2085,7 @@
           <a:p>
             <a:fld id="{B9E3F2A6-8316-4AEA-B811-D6CBB71288FC}" type="datetimeFigureOut">
               <a:rPr lang="en-SG" smtClean="0"/>
-              <a:t>27/10/2020</a:t>
+              <a:t>9/11/2020</a:t>
             </a:fld>
             <a:endParaRPr lang="en-SG"/>
           </a:p>
@@ -2393,7 +2398,7 @@
           <a:p>
             <a:fld id="{B9E3F2A6-8316-4AEA-B811-D6CBB71288FC}" type="datetimeFigureOut">
               <a:rPr lang="en-SG" smtClean="0"/>
-              <a:t>27/10/2020</a:t>
+              <a:t>9/11/2020</a:t>
             </a:fld>
             <a:endParaRPr lang="en-SG"/>
           </a:p>
@@ -2682,7 +2687,7 @@
           <a:p>
             <a:fld id="{B9E3F2A6-8316-4AEA-B811-D6CBB71288FC}" type="datetimeFigureOut">
               <a:rPr lang="en-SG" smtClean="0"/>
-              <a:t>27/10/2020</a:t>
+              <a:t>9/11/2020</a:t>
             </a:fld>
             <a:endParaRPr lang="en-SG"/>
           </a:p>
@@ -2925,7 +2930,7 @@
           <a:p>
             <a:fld id="{B9E3F2A6-8316-4AEA-B811-D6CBB71288FC}" type="datetimeFigureOut">
               <a:rPr lang="en-SG" smtClean="0"/>
-              <a:t>27/10/2020</a:t>
+              <a:t>9/11/2020</a:t>
             </a:fld>
             <a:endParaRPr lang="en-SG"/>
           </a:p>
@@ -3411,8 +3416,8 @@
         </p:nvCxnSpPr>
         <p:spPr>
           <a:xfrm>
-            <a:off x="3182677" y="971598"/>
-            <a:ext cx="0" cy="2381203"/>
+            <a:off x="3182677" y="971597"/>
+            <a:ext cx="0" cy="2412000"/>
           </a:xfrm>
           <a:prstGeom prst="line">
             <a:avLst/>
@@ -3774,7 +3779,7 @@
         <p:spPr>
           <a:xfrm>
             <a:off x="5181600" y="975284"/>
-            <a:ext cx="0" cy="2377516"/>
+            <a:ext cx="0" cy="2412000"/>
           </a:xfrm>
           <a:prstGeom prst="line">
             <a:avLst/>
@@ -3918,8 +3923,8 @@
         </p:nvCxnSpPr>
         <p:spPr>
           <a:xfrm>
-            <a:off x="7387600" y="971598"/>
-            <a:ext cx="0" cy="2381203"/>
+            <a:off x="7387600" y="971597"/>
+            <a:ext cx="0" cy="2412000"/>
           </a:xfrm>
           <a:prstGeom prst="line">
             <a:avLst/>
@@ -4077,8 +4082,8 @@
         </p:nvCxnSpPr>
         <p:spPr>
           <a:xfrm flipV="1">
-            <a:off x="3263070" y="1456490"/>
-            <a:ext cx="1842331" cy="4249"/>
+            <a:off x="3263069" y="1437434"/>
+            <a:ext cx="1854000" cy="4249"/>
           </a:xfrm>
           <a:prstGeom prst="straightConnector1">
             <a:avLst/>
@@ -4254,14 +4259,13 @@
           <p:cNvPr id="35" name="Straight Arrow Connector 34"/>
           <p:cNvCxnSpPr>
             <a:cxnSpLocks/>
-            <a:endCxn id="18" idx="2"/>
           </p:cNvCxnSpPr>
           <p:nvPr/>
         </p:nvCxnSpPr>
         <p:spPr>
           <a:xfrm>
-            <a:off x="3268997" y="2895597"/>
-            <a:ext cx="1918588" cy="0"/>
+            <a:off x="3264764" y="2895597"/>
+            <a:ext cx="1908000" cy="0"/>
           </a:xfrm>
           <a:prstGeom prst="straightConnector1">
             <a:avLst/>
@@ -4298,7 +4302,7 @@
         </p:nvCxnSpPr>
         <p:spPr>
           <a:xfrm>
-            <a:off x="1828801" y="3048000"/>
+            <a:off x="1846269" y="3048000"/>
             <a:ext cx="1196051" cy="0"/>
           </a:xfrm>
           <a:prstGeom prst="straightConnector1">
@@ -4448,8 +4452,8 @@
         </p:nvCxnSpPr>
         <p:spPr>
           <a:xfrm>
-            <a:off x="9296400" y="896498"/>
-            <a:ext cx="0" cy="2456303"/>
+            <a:off x="9296400" y="896497"/>
+            <a:ext cx="0" cy="2484000"/>
           </a:xfrm>
           <a:prstGeom prst="line">
             <a:avLst/>
@@ -4488,13 +4492,12 @@
           </p:cNvPr>
           <p:cNvCxnSpPr>
             <a:cxnSpLocks/>
-            <a:stCxn id="21" idx="3"/>
           </p:cNvCxnSpPr>
           <p:nvPr/>
         </p:nvCxnSpPr>
         <p:spPr>
           <a:xfrm flipV="1">
-            <a:off x="7493237" y="2088455"/>
+            <a:off x="7493237" y="2059871"/>
             <a:ext cx="1728000" cy="1"/>
           </a:xfrm>
           <a:prstGeom prst="straightConnector1">
@@ -4586,13 +4589,12 @@
           </p:cNvPr>
           <p:cNvCxnSpPr>
             <a:cxnSpLocks/>
-            <a:stCxn id="73" idx="2"/>
           </p:cNvCxnSpPr>
           <p:nvPr/>
         </p:nvCxnSpPr>
         <p:spPr>
           <a:xfrm flipH="1">
-            <a:off x="7515499" y="2344810"/>
+            <a:off x="7494334" y="2344810"/>
             <a:ext cx="1766940" cy="9011"/>
           </a:xfrm>
           <a:prstGeom prst="straightConnector1">
